--- a/slides/overview.pptx
+++ b/slides/overview.pptx
@@ -223,7 +223,7 @@
           <a:p>
             <a:fld id="{8A1B613A-EFF1-404F-BEE8-EFAE84A4E5E2}" type="datetimeFigureOut">
               <a:rPr lang="en-US" smtClean="0"/>
-              <a:t>5/30/21</a:t>
+              <a:t>5/31/21</a:t>
             </a:fld>
             <a:endParaRPr lang="en-US"/>
           </a:p>
@@ -388,7 +388,7 @@
           <a:p>
             <a:fld id="{690847EA-AC25-3D4E-89E1-FD3F6A9702B6}" type="datetimeFigureOut">
               <a:rPr lang="en-US" smtClean="0"/>
-              <a:t>5/30/21</a:t>
+              <a:t>5/31/21</a:t>
             </a:fld>
             <a:endParaRPr lang="en-US"/>
           </a:p>
@@ -802,7 +802,7 @@
           <a:p>
             <a:fld id="{BE5295ED-3BAF-1140-8495-3D368771D6B1}" type="datetimeFigureOut">
               <a:rPr lang="en-US" smtClean="0"/>
-              <a:t>5/30/21</a:t>
+              <a:t>5/31/21</a:t>
             </a:fld>
             <a:endParaRPr lang="en-US"/>
           </a:p>
@@ -1000,7 +1000,7 @@
           <a:p>
             <a:fld id="{BE5295ED-3BAF-1140-8495-3D368771D6B1}" type="datetimeFigureOut">
               <a:rPr lang="en-US" smtClean="0"/>
-              <a:t>5/30/21</a:t>
+              <a:t>5/31/21</a:t>
             </a:fld>
             <a:endParaRPr lang="en-US"/>
           </a:p>
@@ -1208,7 +1208,7 @@
           <a:p>
             <a:fld id="{BE5295ED-3BAF-1140-8495-3D368771D6B1}" type="datetimeFigureOut">
               <a:rPr lang="en-US" smtClean="0"/>
-              <a:t>5/30/21</a:t>
+              <a:t>5/31/21</a:t>
             </a:fld>
             <a:endParaRPr lang="en-US"/>
           </a:p>
@@ -1406,7 +1406,7 @@
           <a:p>
             <a:fld id="{BE5295ED-3BAF-1140-8495-3D368771D6B1}" type="datetimeFigureOut">
               <a:rPr lang="en-US" smtClean="0"/>
-              <a:t>5/30/21</a:t>
+              <a:t>5/31/21</a:t>
             </a:fld>
             <a:endParaRPr lang="en-US"/>
           </a:p>
@@ -1681,7 +1681,7 @@
           <a:p>
             <a:fld id="{BE5295ED-3BAF-1140-8495-3D368771D6B1}" type="datetimeFigureOut">
               <a:rPr lang="en-US" smtClean="0"/>
-              <a:t>5/30/21</a:t>
+              <a:t>5/31/21</a:t>
             </a:fld>
             <a:endParaRPr lang="en-US"/>
           </a:p>
@@ -1946,7 +1946,7 @@
           <a:p>
             <a:fld id="{BE5295ED-3BAF-1140-8495-3D368771D6B1}" type="datetimeFigureOut">
               <a:rPr lang="en-US" smtClean="0"/>
-              <a:t>5/30/21</a:t>
+              <a:t>5/31/21</a:t>
             </a:fld>
             <a:endParaRPr lang="en-US"/>
           </a:p>
@@ -2358,7 +2358,7 @@
           <a:p>
             <a:fld id="{BE5295ED-3BAF-1140-8495-3D368771D6B1}" type="datetimeFigureOut">
               <a:rPr lang="en-US" smtClean="0"/>
-              <a:t>5/30/21</a:t>
+              <a:t>5/31/21</a:t>
             </a:fld>
             <a:endParaRPr lang="en-US"/>
           </a:p>
@@ -2499,7 +2499,7 @@
           <a:p>
             <a:fld id="{BE5295ED-3BAF-1140-8495-3D368771D6B1}" type="datetimeFigureOut">
               <a:rPr lang="en-US" smtClean="0"/>
-              <a:t>5/30/21</a:t>
+              <a:t>5/31/21</a:t>
             </a:fld>
             <a:endParaRPr lang="en-US"/>
           </a:p>
@@ -2612,7 +2612,7 @@
           <a:p>
             <a:fld id="{BE5295ED-3BAF-1140-8495-3D368771D6B1}" type="datetimeFigureOut">
               <a:rPr lang="en-US" smtClean="0"/>
-              <a:t>5/30/21</a:t>
+              <a:t>5/31/21</a:t>
             </a:fld>
             <a:endParaRPr lang="en-US"/>
           </a:p>
@@ -2923,7 +2923,7 @@
           <a:p>
             <a:fld id="{BE5295ED-3BAF-1140-8495-3D368771D6B1}" type="datetimeFigureOut">
               <a:rPr lang="en-US" smtClean="0"/>
-              <a:t>5/30/21</a:t>
+              <a:t>5/31/21</a:t>
             </a:fld>
             <a:endParaRPr lang="en-US"/>
           </a:p>
@@ -3214,7 +3214,7 @@
           <a:p>
             <a:fld id="{BE5295ED-3BAF-1140-8495-3D368771D6B1}" type="datetimeFigureOut">
               <a:rPr lang="en-US" smtClean="0"/>
-              <a:t>5/30/21</a:t>
+              <a:t>5/31/21</a:t>
             </a:fld>
             <a:endParaRPr lang="en-US"/>
           </a:p>
@@ -3455,7 +3455,7 @@
           <a:p>
             <a:fld id="{BE5295ED-3BAF-1140-8495-3D368771D6B1}" type="datetimeFigureOut">
               <a:rPr lang="en-US" smtClean="0"/>
-              <a:t>5/30/21</a:t>
+              <a:t>5/31/21</a:t>
             </a:fld>
             <a:endParaRPr lang="en-US"/>
           </a:p>
@@ -3566,7 +3566,13 @@
           <p:nvPr userDrawn="1"/>
         </p:nvPicPr>
         <p:blipFill>
-          <a:blip r:embed="rId13"/>
+          <a:blip r:embed="rId13">
+            <a:extLst>
+              <a:ext uri="{28A0092B-C50C-407E-A947-70E740481C1C}">
+                <a14:useLocalDpi xmlns:a14="http://schemas.microsoft.com/office/drawing/2010/main" val="0"/>
+              </a:ext>
+            </a:extLst>
+          </a:blip>
           <a:stretch>
             <a:fillRect/>
           </a:stretch>
@@ -4169,7 +4175,7 @@
           <p:cNvPr id="6" name="Picture 5">
             <a:extLst>
               <a:ext uri="{FF2B5EF4-FFF2-40B4-BE49-F238E27FC236}">
-                <a16:creationId xmlns:a16="http://schemas.microsoft.com/office/drawing/2014/main" id="{B48FFD4E-2CCC-A441-9FBA-D494F47754A5}"/>
+                <a16:creationId xmlns:a16="http://schemas.microsoft.com/office/drawing/2014/main" id="{95C7A921-818C-4F4F-A23E-0AF761DE459A}"/>
               </a:ext>
             </a:extLst>
           </p:cNvPr>
@@ -4186,8 +4192,8 @@
         </p:blipFill>
         <p:spPr>
           <a:xfrm>
-            <a:off x="5996885" y="1432269"/>
-            <a:ext cx="5690486" cy="4486275"/>
+            <a:off x="6490252" y="2069822"/>
+            <a:ext cx="4863547" cy="3830043"/>
           </a:xfrm>
           <a:prstGeom prst="rect">
             <a:avLst/>
@@ -4239,7 +4245,13 @@
           <p:nvPr/>
         </p:nvPicPr>
         <p:blipFill>
-          <a:blip r:embed="rId2"/>
+          <a:blip r:embed="rId2">
+            <a:extLst>
+              <a:ext uri="{28A0092B-C50C-407E-A947-70E740481C1C}">
+                <a14:useLocalDpi xmlns:a14="http://schemas.microsoft.com/office/drawing/2010/main" val="0"/>
+              </a:ext>
+            </a:extLst>
+          </a:blip>
           <a:stretch>
             <a:fillRect/>
           </a:stretch>
@@ -4648,7 +4660,13 @@
           <p:nvPr/>
         </p:nvPicPr>
         <p:blipFill>
-          <a:blip r:embed="rId4"/>
+          <a:blip r:embed="rId4">
+            <a:extLst>
+              <a:ext uri="{28A0092B-C50C-407E-A947-70E740481C1C}">
+                <a14:useLocalDpi xmlns:a14="http://schemas.microsoft.com/office/drawing/2010/main" val="0"/>
+              </a:ext>
+            </a:extLst>
+          </a:blip>
           <a:stretch>
             <a:fillRect/>
           </a:stretch>
@@ -4870,7 +4888,13 @@
           <p:nvPr/>
         </p:nvPicPr>
         <p:blipFill>
-          <a:blip r:embed="rId2"/>
+          <a:blip r:embed="rId2">
+            <a:extLst>
+              <a:ext uri="{28A0092B-C50C-407E-A947-70E740481C1C}">
+                <a14:useLocalDpi xmlns:a14="http://schemas.microsoft.com/office/drawing/2010/main" val="0"/>
+              </a:ext>
+            </a:extLst>
+          </a:blip>
           <a:stretch>
             <a:fillRect/>
           </a:stretch>
@@ -4900,7 +4924,13 @@
           <p:nvPr/>
         </p:nvPicPr>
         <p:blipFill>
-          <a:blip r:embed="rId3"/>
+          <a:blip r:embed="rId3">
+            <a:extLst>
+              <a:ext uri="{28A0092B-C50C-407E-A947-70E740481C1C}">
+                <a14:useLocalDpi xmlns:a14="http://schemas.microsoft.com/office/drawing/2010/main" val="0"/>
+              </a:ext>
+            </a:extLst>
+          </a:blip>
           <a:stretch>
             <a:fillRect/>
           </a:stretch>
@@ -5323,10 +5353,10 @@
       </p:sp>
       <p:pic>
         <p:nvPicPr>
-          <p:cNvPr id="4" name="Picture 3">
-            <a:extLst>
-              <a:ext uri="{FF2B5EF4-FFF2-40B4-BE49-F238E27FC236}">
-                <a16:creationId xmlns:a16="http://schemas.microsoft.com/office/drawing/2014/main" id="{B20943C6-E13A-E247-9CA8-B76B0F421F77}"/>
+          <p:cNvPr id="6" name="Picture 5">
+            <a:extLst>
+              <a:ext uri="{FF2B5EF4-FFF2-40B4-BE49-F238E27FC236}">
+                <a16:creationId xmlns:a16="http://schemas.microsoft.com/office/drawing/2014/main" id="{038CA5C7-5247-F54B-AD1F-84B63B6CE000}"/>
               </a:ext>
             </a:extLst>
           </p:cNvPr>
@@ -5343,8 +5373,8 @@
         </p:blipFill>
         <p:spPr>
           <a:xfrm>
-            <a:off x="0" y="4233123"/>
-            <a:ext cx="12190563" cy="2613722"/>
+            <a:off x="9939" y="4272927"/>
+            <a:ext cx="12178152" cy="2595009"/>
           </a:xfrm>
           <a:prstGeom prst="rect">
             <a:avLst/>
@@ -5497,7 +5527,13 @@
           <p:nvPr/>
         </p:nvPicPr>
         <p:blipFill>
-          <a:blip r:embed="rId2"/>
+          <a:blip r:embed="rId2">
+            <a:extLst>
+              <a:ext uri="{28A0092B-C50C-407E-A947-70E740481C1C}">
+                <a14:useLocalDpi xmlns:a14="http://schemas.microsoft.com/office/drawing/2010/main" val="0"/>
+              </a:ext>
+            </a:extLst>
+          </a:blip>
           <a:stretch>
             <a:fillRect/>
           </a:stretch>
@@ -5678,7 +5714,13 @@
           <p:nvPr/>
         </p:nvPicPr>
         <p:blipFill>
-          <a:blip r:embed="rId2"/>
+          <a:blip r:embed="rId2">
+            <a:extLst>
+              <a:ext uri="{28A0092B-C50C-407E-A947-70E740481C1C}">
+                <a14:useLocalDpi xmlns:a14="http://schemas.microsoft.com/office/drawing/2010/main" val="0"/>
+              </a:ext>
+            </a:extLst>
+          </a:blip>
           <a:stretch>
             <a:fillRect/>
           </a:stretch>
@@ -5708,7 +5750,13 @@
           <p:nvPr/>
         </p:nvPicPr>
         <p:blipFill>
-          <a:blip r:embed="rId3"/>
+          <a:blip r:embed="rId3">
+            <a:extLst>
+              <a:ext uri="{28A0092B-C50C-407E-A947-70E740481C1C}">
+                <a14:useLocalDpi xmlns:a14="http://schemas.microsoft.com/office/drawing/2010/main" val="0"/>
+              </a:ext>
+            </a:extLst>
+          </a:blip>
           <a:stretch>
             <a:fillRect/>
           </a:stretch>
@@ -6386,7 +6434,13 @@
           <p:nvPr/>
         </p:nvPicPr>
         <p:blipFill>
-          <a:blip r:embed="rId3"/>
+          <a:blip r:embed="rId3">
+            <a:extLst>
+              <a:ext uri="{28A0092B-C50C-407E-A947-70E740481C1C}">
+                <a14:useLocalDpi xmlns:a14="http://schemas.microsoft.com/office/drawing/2010/main" val="0"/>
+              </a:ext>
+            </a:extLst>
+          </a:blip>
           <a:stretch>
             <a:fillRect/>
           </a:stretch>
@@ -6536,7 +6590,13 @@
           <p:nvPr/>
         </p:nvPicPr>
         <p:blipFill>
-          <a:blip r:embed="rId3"/>
+          <a:blip r:embed="rId3">
+            <a:extLst>
+              <a:ext uri="{28A0092B-C50C-407E-A947-70E740481C1C}">
+                <a14:useLocalDpi xmlns:a14="http://schemas.microsoft.com/office/drawing/2010/main" val="0"/>
+              </a:ext>
+            </a:extLst>
+          </a:blip>
           <a:stretch>
             <a:fillRect/>
           </a:stretch>
@@ -6566,7 +6626,13 @@
           <p:nvPr/>
         </p:nvPicPr>
         <p:blipFill>
-          <a:blip r:embed="rId4"/>
+          <a:blip r:embed="rId4">
+            <a:extLst>
+              <a:ext uri="{28A0092B-C50C-407E-A947-70E740481C1C}">
+                <a14:useLocalDpi xmlns:a14="http://schemas.microsoft.com/office/drawing/2010/main" val="0"/>
+              </a:ext>
+            </a:extLst>
+          </a:blip>
           <a:stretch>
             <a:fillRect/>
           </a:stretch>
@@ -6793,7 +6859,13 @@
           <p:nvPr/>
         </p:nvPicPr>
         <p:blipFill>
-          <a:blip r:embed="rId3"/>
+          <a:blip r:embed="rId3">
+            <a:extLst>
+              <a:ext uri="{28A0092B-C50C-407E-A947-70E740481C1C}">
+                <a14:useLocalDpi xmlns:a14="http://schemas.microsoft.com/office/drawing/2010/main" val="0"/>
+              </a:ext>
+            </a:extLst>
+          </a:blip>
           <a:stretch>
             <a:fillRect/>
           </a:stretch>
@@ -7071,7 +7143,13 @@
           <p:nvPr/>
         </p:nvPicPr>
         <p:blipFill>
-          <a:blip r:embed="rId2"/>
+          <a:blip r:embed="rId2">
+            <a:extLst>
+              <a:ext uri="{28A0092B-C50C-407E-A947-70E740481C1C}">
+                <a14:useLocalDpi xmlns:a14="http://schemas.microsoft.com/office/drawing/2010/main" val="0"/>
+              </a:ext>
+            </a:extLst>
+          </a:blip>
           <a:stretch>
             <a:fillRect/>
           </a:stretch>
@@ -7101,7 +7179,13 @@
           <p:nvPr/>
         </p:nvPicPr>
         <p:blipFill>
-          <a:blip r:embed="rId3"/>
+          <a:blip r:embed="rId3">
+            <a:extLst>
+              <a:ext uri="{28A0092B-C50C-407E-A947-70E740481C1C}">
+                <a14:useLocalDpi xmlns:a14="http://schemas.microsoft.com/office/drawing/2010/main" val="0"/>
+              </a:ext>
+            </a:extLst>
+          </a:blip>
           <a:stretch>
             <a:fillRect/>
           </a:stretch>
@@ -7131,7 +7215,13 @@
           <p:nvPr/>
         </p:nvPicPr>
         <p:blipFill>
-          <a:blip r:embed="rId4"/>
+          <a:blip r:embed="rId4">
+            <a:extLst>
+              <a:ext uri="{28A0092B-C50C-407E-A947-70E740481C1C}">
+                <a14:useLocalDpi xmlns:a14="http://schemas.microsoft.com/office/drawing/2010/main" val="0"/>
+              </a:ext>
+            </a:extLst>
+          </a:blip>
           <a:stretch>
             <a:fillRect/>
           </a:stretch>

--- a/slides/overview.pptx
+++ b/slides/overview.pptx
@@ -5,30 +5,29 @@
     <p:sldMasterId id="2147483672" r:id="rId1"/>
   </p:sldMasterIdLst>
   <p:notesMasterIdLst>
-    <p:notesMasterId r:id="rId20"/>
+    <p:notesMasterId r:id="rId19"/>
   </p:notesMasterIdLst>
   <p:handoutMasterIdLst>
-    <p:handoutMasterId r:id="rId21"/>
+    <p:handoutMasterId r:id="rId20"/>
   </p:handoutMasterIdLst>
   <p:sldIdLst>
     <p:sldId id="256" r:id="rId2"/>
-    <p:sldId id="289" r:id="rId3"/>
-    <p:sldId id="290" r:id="rId4"/>
-    <p:sldId id="299" r:id="rId5"/>
-    <p:sldId id="300" r:id="rId6"/>
-    <p:sldId id="301" r:id="rId7"/>
-    <p:sldId id="303" r:id="rId8"/>
-    <p:sldId id="304" r:id="rId9"/>
-    <p:sldId id="297" r:id="rId10"/>
-    <p:sldId id="291" r:id="rId11"/>
-    <p:sldId id="293" r:id="rId12"/>
-    <p:sldId id="292" r:id="rId13"/>
-    <p:sldId id="294" r:id="rId14"/>
-    <p:sldId id="295" r:id="rId15"/>
-    <p:sldId id="296" r:id="rId16"/>
-    <p:sldId id="298" r:id="rId17"/>
-    <p:sldId id="302" r:id="rId18"/>
-    <p:sldId id="288" r:id="rId19"/>
+    <p:sldId id="290" r:id="rId3"/>
+    <p:sldId id="299" r:id="rId4"/>
+    <p:sldId id="300" r:id="rId5"/>
+    <p:sldId id="301" r:id="rId6"/>
+    <p:sldId id="303" r:id="rId7"/>
+    <p:sldId id="304" r:id="rId8"/>
+    <p:sldId id="297" r:id="rId9"/>
+    <p:sldId id="291" r:id="rId10"/>
+    <p:sldId id="293" r:id="rId11"/>
+    <p:sldId id="292" r:id="rId12"/>
+    <p:sldId id="294" r:id="rId13"/>
+    <p:sldId id="295" r:id="rId14"/>
+    <p:sldId id="296" r:id="rId15"/>
+    <p:sldId id="298" r:id="rId16"/>
+    <p:sldId id="302" r:id="rId17"/>
+    <p:sldId id="305" r:id="rId18"/>
   </p:sldIdLst>
   <p:sldSz cx="12192000" cy="6858000"/>
   <p:notesSz cx="9144000" cy="6858000"/>
@@ -4050,186 +4049,6 @@
           <a:chExt cx="0" cy="0"/>
         </a:xfrm>
       </p:grpSpPr>
-      <p:sp>
-        <p:nvSpPr>
-          <p:cNvPr id="2" name="Title 1">
-            <a:extLst>
-              <a:ext uri="{FF2B5EF4-FFF2-40B4-BE49-F238E27FC236}">
-                <a16:creationId xmlns:a16="http://schemas.microsoft.com/office/drawing/2014/main" id="{995841A7-CA14-7B42-9272-4D5D803362E4}"/>
-              </a:ext>
-            </a:extLst>
-          </p:cNvPr>
-          <p:cNvSpPr>
-            <a:spLocks noGrp="1"/>
-          </p:cNvSpPr>
-          <p:nvPr>
-            <p:ph type="title"/>
-          </p:nvPr>
-        </p:nvSpPr>
-        <p:spPr/>
-        <p:txBody>
-          <a:bodyPr/>
-          <a:lstStyle/>
-          <a:p>
-            <a:r>
-              <a:rPr lang="en-US" dirty="0"/>
-              <a:t>Computer components</a:t>
-            </a:r>
-          </a:p>
-        </p:txBody>
-      </p:sp>
-      <p:sp>
-        <p:nvSpPr>
-          <p:cNvPr id="3" name="Content Placeholder 2">
-            <a:extLst>
-              <a:ext uri="{FF2B5EF4-FFF2-40B4-BE49-F238E27FC236}">
-                <a16:creationId xmlns:a16="http://schemas.microsoft.com/office/drawing/2014/main" id="{2390DE8B-FCFB-2B4F-9B82-C35EB90C02BC}"/>
-              </a:ext>
-            </a:extLst>
-          </p:cNvPr>
-          <p:cNvSpPr>
-            <a:spLocks noGrp="1"/>
-          </p:cNvSpPr>
-          <p:nvPr>
-            <p:ph idx="1"/>
-          </p:nvPr>
-        </p:nvSpPr>
-        <p:spPr>
-          <a:xfrm>
-            <a:off x="838200" y="1825625"/>
-            <a:ext cx="5453270" cy="4351338"/>
-          </a:xfrm>
-        </p:spPr>
-        <p:txBody>
-          <a:bodyPr/>
-          <a:lstStyle/>
-          <a:p>
-            <a:r>
-              <a:rPr lang="en-US" dirty="0"/>
-              <a:t>Processor (</a:t>
-            </a:r>
-            <a:r>
-              <a:rPr lang="en-US" i="1" dirty="0"/>
-              <a:t>CPU</a:t>
-            </a:r>
-            <a:r>
-              <a:rPr lang="en-US" dirty="0"/>
-              <a:t>)</a:t>
-            </a:r>
-          </a:p>
-          <a:p>
-            <a:r>
-              <a:rPr lang="en-US" dirty="0"/>
-              <a:t>Memory (</a:t>
-            </a:r>
-            <a:r>
-              <a:rPr lang="en-US" i="1" dirty="0"/>
-              <a:t>RAM</a:t>
-            </a:r>
-            <a:r>
-              <a:rPr lang="en-US" dirty="0"/>
-              <a:t>) </a:t>
-            </a:r>
-            <a:r>
-              <a:rPr lang="en-US" dirty="0" err="1"/>
-              <a:t>code+data</a:t>
-            </a:r>
-            <a:endParaRPr lang="en-US" dirty="0"/>
-          </a:p>
-          <a:p>
-            <a:r>
-              <a:rPr lang="en-US" dirty="0"/>
-              <a:t>Nonvolatile Storage (</a:t>
-            </a:r>
-            <a:r>
-              <a:rPr lang="en-US" i="1" dirty="0"/>
-              <a:t>disk</a:t>
-            </a:r>
-            <a:r>
-              <a:rPr lang="en-US" dirty="0"/>
-              <a:t>)</a:t>
-            </a:r>
-          </a:p>
-          <a:p>
-            <a:r>
-              <a:rPr lang="en-US" i="1" dirty="0"/>
-              <a:t>Network</a:t>
-            </a:r>
-          </a:p>
-          <a:p>
-            <a:r>
-              <a:rPr lang="en-US" dirty="0"/>
-              <a:t>CPU executes code and operates on data in RAM, saving results on disk</a:t>
-            </a:r>
-          </a:p>
-          <a:p>
-            <a:r>
-              <a:rPr lang="en-US" dirty="0"/>
-              <a:t>Can send and receive data across the network</a:t>
-            </a:r>
-          </a:p>
-        </p:txBody>
-      </p:sp>
-      <p:pic>
-        <p:nvPicPr>
-          <p:cNvPr id="6" name="Picture 5">
-            <a:extLst>
-              <a:ext uri="{FF2B5EF4-FFF2-40B4-BE49-F238E27FC236}">
-                <a16:creationId xmlns:a16="http://schemas.microsoft.com/office/drawing/2014/main" id="{95C7A921-818C-4F4F-A23E-0AF761DE459A}"/>
-              </a:ext>
-            </a:extLst>
-          </p:cNvPr>
-          <p:cNvPicPr>
-            <a:picLocks noChangeAspect="1"/>
-          </p:cNvPicPr>
-          <p:nvPr/>
-        </p:nvPicPr>
-        <p:blipFill>
-          <a:blip r:embed="rId2"/>
-          <a:stretch>
-            <a:fillRect/>
-          </a:stretch>
-        </p:blipFill>
-        <p:spPr>
-          <a:xfrm>
-            <a:off x="6490252" y="2069822"/>
-            <a:ext cx="4863547" cy="3830043"/>
-          </a:xfrm>
-          <a:prstGeom prst="rect">
-            <a:avLst/>
-          </a:prstGeom>
-        </p:spPr>
-      </p:pic>
-    </p:spTree>
-    <p:extLst>
-      <p:ext uri="{BB962C8B-B14F-4D97-AF65-F5344CB8AC3E}">
-        <p14:creationId xmlns:p14="http://schemas.microsoft.com/office/powerpoint/2010/main" val="4167972698"/>
-      </p:ext>
-    </p:extLst>
-  </p:cSld>
-  <p:clrMapOvr>
-    <a:masterClrMapping/>
-  </p:clrMapOvr>
-</p:sld>
-</file>
-
-<file path=ppt/slides/slide11.xml><?xml version="1.0" encoding="utf-8"?>
-<p:sld xmlns:a="http://schemas.openxmlformats.org/drawingml/2006/main" xmlns:r="http://schemas.openxmlformats.org/officeDocument/2006/relationships" xmlns:p="http://schemas.openxmlformats.org/presentationml/2006/main">
-  <p:cSld>
-    <p:spTree>
-      <p:nvGrpSpPr>
-        <p:cNvPr id="1" name=""/>
-        <p:cNvGrpSpPr/>
-        <p:nvPr/>
-      </p:nvGrpSpPr>
-      <p:grpSpPr>
-        <a:xfrm>
-          <a:off x="0" y="0"/>
-          <a:ext cx="0" cy="0"/>
-          <a:chOff x="0" y="0"/>
-          <a:chExt cx="0" cy="0"/>
-        </a:xfrm>
-      </p:grpSpPr>
       <p:pic>
         <p:nvPicPr>
           <p:cNvPr id="10" name="Picture 9">
@@ -4433,7 +4252,7 @@
 </p:sld>
 </file>
 
-<file path=ppt/slides/slide12.xml><?xml version="1.0" encoding="utf-8"?>
+<file path=ppt/slides/slide11.xml><?xml version="1.0" encoding="utf-8"?>
 <p:sld xmlns:a="http://schemas.openxmlformats.org/drawingml/2006/main" xmlns:r="http://schemas.openxmlformats.org/officeDocument/2006/relationships" xmlns:p="http://schemas.openxmlformats.org/presentationml/2006/main">
   <p:cSld>
     <p:spTree>
@@ -4737,7 +4556,7 @@
 </p:sld>
 </file>
 
-<file path=ppt/slides/slide13.xml><?xml version="1.0" encoding="utf-8"?>
+<file path=ppt/slides/slide12.xml><?xml version="1.0" encoding="utf-8"?>
 <p:sld xmlns:a="http://schemas.openxmlformats.org/drawingml/2006/main" xmlns:r="http://schemas.openxmlformats.org/officeDocument/2006/relationships" xmlns:p="http://schemas.openxmlformats.org/presentationml/2006/main">
   <p:cSld>
     <p:spTree>
@@ -4958,7 +4777,7 @@
 </p:sld>
 </file>
 
-<file path=ppt/slides/slide14.xml><?xml version="1.0" encoding="utf-8"?>
+<file path=ppt/slides/slide13.xml><?xml version="1.0" encoding="utf-8"?>
 <p:sld xmlns:a="http://schemas.openxmlformats.org/drawingml/2006/main" xmlns:r="http://schemas.openxmlformats.org/officeDocument/2006/relationships" xmlns:p="http://schemas.openxmlformats.org/presentationml/2006/main">
   <p:cSld>
     <p:spTree>
@@ -5048,7 +4867,7 @@
             </a:r>
             <a:r>
               <a:rPr lang="en-US" dirty="0"/>
-              <a:t> names, optionally followed by file name</a:t>
+              <a:t> names, optionally followed by a file name</a:t>
             </a:r>
           </a:p>
           <a:p>
@@ -5160,7 +4979,7 @@
 </p:sld>
 </file>
 
-<file path=ppt/slides/slide15.xml><?xml version="1.0" encoding="utf-8"?>
+<file path=ppt/slides/slide14.xml><?xml version="1.0" encoding="utf-8"?>
 <p:sld xmlns:a="http://schemas.openxmlformats.org/drawingml/2006/main" xmlns:r="http://schemas.openxmlformats.org/officeDocument/2006/relationships" xmlns:p="http://schemas.openxmlformats.org/presentationml/2006/main">
   <p:cSld>
     <p:spTree>
@@ -5394,7 +5213,7 @@
 </p:sld>
 </file>
 
-<file path=ppt/slides/slide16.xml><?xml version="1.0" encoding="utf-8"?>
+<file path=ppt/slides/slide15.xml><?xml version="1.0" encoding="utf-8"?>
 <p:sld xmlns:a="http://schemas.openxmlformats.org/drawingml/2006/main" xmlns:r="http://schemas.openxmlformats.org/officeDocument/2006/relationships" xmlns:p="http://schemas.openxmlformats.org/presentationml/2006/main">
   <p:cSld>
     <p:spTree>
@@ -5561,7 +5380,7 @@
 </p:sld>
 </file>
 
-<file path=ppt/slides/slide17.xml><?xml version="1.0" encoding="utf-8"?>
+<file path=ppt/slides/slide16.xml><?xml version="1.0" encoding="utf-8"?>
 <p:sld xmlns:a="http://schemas.openxmlformats.org/drawingml/2006/main" xmlns:r="http://schemas.openxmlformats.org/officeDocument/2006/relationships" xmlns:p="http://schemas.openxmlformats.org/presentationml/2006/main">
   <p:cSld>
     <p:spTree>
@@ -5784,7 +5603,7 @@
 </p:sld>
 </file>
 
-<file path=ppt/slides/slide18.xml><?xml version="1.0" encoding="utf-8"?>
+<file path=ppt/slides/slide17.xml><?xml version="1.0" encoding="utf-8"?>
 <p:sld xmlns:a="http://schemas.openxmlformats.org/drawingml/2006/main" xmlns:r="http://schemas.openxmlformats.org/officeDocument/2006/relationships" xmlns:p="http://schemas.openxmlformats.org/presentationml/2006/main">
   <p:cSld>
     <p:spTree>
@@ -5806,7 +5625,7 @@
           <p:cNvPr id="2" name="Title 1">
             <a:extLst>
               <a:ext uri="{FF2B5EF4-FFF2-40B4-BE49-F238E27FC236}">
-                <a16:creationId xmlns:a16="http://schemas.microsoft.com/office/drawing/2014/main" id="{28E269BC-FCD0-3641-BD6D-5B96C2417018}"/>
+                <a16:creationId xmlns:a16="http://schemas.microsoft.com/office/drawing/2014/main" id="{E2441C1F-65C5-D243-898D-A59EC53073AF}"/>
               </a:ext>
             </a:extLst>
           </p:cNvPr>
@@ -5824,13 +5643,8 @@
           <a:p>
             <a:r>
               <a:rPr lang="en-US" dirty="0"/>
-              <a:t>Most</a:t>
-            </a:r>
-            <a:r>
-              <a:rPr lang="mr-IN" dirty="0"/>
-              <a:t>…</a:t>
-            </a:r>
-            <a:endParaRPr lang="en-US" dirty="0"/>
+              <a:t>Summary</a:t>
+            </a:r>
           </a:p>
         </p:txBody>
       </p:sp>
@@ -5839,7 +5653,7 @@
           <p:cNvPr id="3" name="Content Placeholder 2">
             <a:extLst>
               <a:ext uri="{FF2B5EF4-FFF2-40B4-BE49-F238E27FC236}">
-                <a16:creationId xmlns:a16="http://schemas.microsoft.com/office/drawing/2014/main" id="{011453FF-9B1C-204B-BAC3-7506D02A781A}"/>
+                <a16:creationId xmlns:a16="http://schemas.microsoft.com/office/drawing/2014/main" id="{89AF7456-EA6E-6A47-A834-7E271A6A6D73}"/>
               </a:ext>
             </a:extLst>
           </p:cNvPr>
@@ -5849,169 +5663,85 @@
           <p:nvPr>
             <p:ph idx="1"/>
           </p:nvPr>
-        </p:nvSpPr>
-        <p:spPr/>
-        <p:txBody>
-          <a:bodyPr/>
-          <a:lstStyle/>
-          <a:p>
-            <a:r>
-              <a:rPr lang="en-US" dirty="0"/>
-              <a:t>That means we need to know</a:t>
-            </a:r>
-          </a:p>
-        </p:txBody>
-      </p:sp>
-      <p:sp>
-        <p:nvSpPr>
-          <p:cNvPr id="4" name="TextBox 3">
-            <a:extLst>
-              <a:ext uri="{FF2B5EF4-FFF2-40B4-BE49-F238E27FC236}">
-                <a16:creationId xmlns:a16="http://schemas.microsoft.com/office/drawing/2014/main" id="{7EA51DEE-4B36-8844-9444-48364D4297AC}"/>
-              </a:ext>
-            </a:extLst>
-          </p:cNvPr>
-          <p:cNvSpPr txBox="1"/>
-          <p:nvPr/>
         </p:nvSpPr>
         <p:spPr>
           <a:xfrm>
-            <a:off x="966141" y="2438888"/>
-            <a:ext cx="5804310" cy="1569660"/>
+            <a:off x="861391" y="1690688"/>
+            <a:ext cx="10515600" cy="4351338"/>
           </a:xfrm>
-          <a:prstGeom prst="rect">
-            <a:avLst/>
-          </a:prstGeom>
-          <a:noFill/>
-          <a:ln>
-            <a:solidFill>
-              <a:schemeClr val="accent1"/>
-            </a:solidFill>
-          </a:ln>
         </p:spPr>
         <p:txBody>
-          <a:bodyPr wrap="square" rtlCol="0">
-            <a:spAutoFit/>
+          <a:bodyPr>
+            <a:normAutofit fontScale="92500" lnSpcReduction="10000"/>
           </a:bodyPr>
           <a:lstStyle/>
           <a:p>
             <a:r>
-              <a:rPr lang="en-US" sz="2400" dirty="0">
-                <a:latin typeface="Monaco" charset="0"/>
-                <a:ea typeface="Monaco" charset="0"/>
-                <a:cs typeface="Monaco" charset="0"/>
-              </a:rPr>
-              <a:t>def walk(</a:t>
-            </a:r>
-            <a:r>
-              <a:rPr lang="en-US" sz="2400" dirty="0" err="1">
-                <a:latin typeface="Monaco" charset="0"/>
-                <a:ea typeface="Monaco" charset="0"/>
-                <a:cs typeface="Monaco" charset="0"/>
-              </a:rPr>
-              <a:t>A,nrows,ncols</a:t>
-            </a:r>
-            <a:r>
-              <a:rPr lang="en-US" sz="2400" dirty="0">
-                <a:latin typeface="Monaco" charset="0"/>
-                <a:ea typeface="Monaco" charset="0"/>
-                <a:cs typeface="Monaco" charset="0"/>
-              </a:rPr>
-              <a:t>):</a:t>
-            </a:r>
-          </a:p>
-          <a:p>
-            <a:r>
-              <a:rPr lang="en-US" sz="2400" dirty="0">
-                <a:latin typeface="Monaco" charset="0"/>
-                <a:ea typeface="Monaco" charset="0"/>
-                <a:cs typeface="Monaco" charset="0"/>
-              </a:rPr>
-              <a:t>    for </a:t>
-            </a:r>
-            <a:r>
-              <a:rPr lang="en-US" sz="2400" dirty="0" err="1">
-                <a:latin typeface="Monaco" charset="0"/>
-                <a:ea typeface="Monaco" charset="0"/>
-                <a:cs typeface="Monaco" charset="0"/>
-              </a:rPr>
-              <a:t>i</a:t>
-            </a:r>
-            <a:r>
-              <a:rPr lang="en-US" sz="2400" dirty="0">
-                <a:latin typeface="Monaco" charset="0"/>
-                <a:ea typeface="Monaco" charset="0"/>
-                <a:cs typeface="Monaco" charset="0"/>
-              </a:rPr>
-              <a:t> in range(</a:t>
-            </a:r>
-            <a:r>
-              <a:rPr lang="en-US" sz="2400" dirty="0" err="1">
-                <a:latin typeface="Monaco" charset="0"/>
-                <a:ea typeface="Monaco" charset="0"/>
-                <a:cs typeface="Monaco" charset="0"/>
-              </a:rPr>
-              <a:t>nrows</a:t>
-            </a:r>
-            <a:r>
-              <a:rPr lang="en-US" sz="2400" dirty="0">
-                <a:latin typeface="Monaco" charset="0"/>
-                <a:ea typeface="Monaco" charset="0"/>
-                <a:cs typeface="Monaco" charset="0"/>
-              </a:rPr>
-              <a:t>):</a:t>
-            </a:r>
-          </a:p>
-          <a:p>
-            <a:r>
-              <a:rPr lang="en-US" sz="2400" dirty="0">
-                <a:latin typeface="Monaco" charset="0"/>
-                <a:ea typeface="Monaco" charset="0"/>
-                <a:cs typeface="Monaco" charset="0"/>
-              </a:rPr>
-              <a:t>        for j in range(</a:t>
-            </a:r>
-            <a:r>
-              <a:rPr lang="en-US" sz="2400" dirty="0" err="1">
-                <a:latin typeface="Monaco" charset="0"/>
-                <a:ea typeface="Monaco" charset="0"/>
-                <a:cs typeface="Monaco" charset="0"/>
-              </a:rPr>
-              <a:t>ncols</a:t>
-            </a:r>
-            <a:r>
-              <a:rPr lang="en-US" sz="2400" dirty="0">
-                <a:latin typeface="Monaco" charset="0"/>
-                <a:ea typeface="Monaco" charset="0"/>
-                <a:cs typeface="Monaco" charset="0"/>
-              </a:rPr>
-              <a:t>):</a:t>
-            </a:r>
-          </a:p>
-          <a:p>
-            <a:r>
-              <a:rPr lang="en-US" sz="2400" dirty="0">
-                <a:latin typeface="Monaco" charset="0"/>
-                <a:ea typeface="Monaco" charset="0"/>
-                <a:cs typeface="Monaco" charset="0"/>
-              </a:rPr>
-              <a:t>            # process A[</a:t>
-            </a:r>
-            <a:r>
-              <a:rPr lang="en-US" sz="2400" dirty="0" err="1">
-                <a:latin typeface="Monaco" charset="0"/>
-                <a:ea typeface="Monaco" charset="0"/>
-                <a:cs typeface="Monaco" charset="0"/>
-              </a:rPr>
-              <a:t>i</a:t>
-            </a:r>
-            <a:r>
-              <a:rPr lang="en-US" sz="2400" dirty="0">
-                <a:latin typeface="Monaco" charset="0"/>
-                <a:ea typeface="Monaco" charset="0"/>
-                <a:cs typeface="Monaco" charset="0"/>
-              </a:rPr>
-              <a:t>][j]</a:t>
+              <a:rPr lang="en-US" dirty="0"/>
+              <a:t>Programming in Python is about way more than just typing in grammatically correct code</a:t>
+            </a:r>
+          </a:p>
+          <a:p>
+            <a:r>
+              <a:rPr lang="en-US" dirty="0"/>
+              <a:t>It's about conjuring up sequences of instructions that perform a specific task then coding that up in Python but…</a:t>
+            </a:r>
+          </a:p>
+          <a:p>
+            <a:r>
+              <a:rPr lang="en-US" dirty="0"/>
+              <a:t>There's an entire ecosystem we have to deal with:</a:t>
+            </a:r>
+          </a:p>
+          <a:p>
+            <a:pPr lvl="1"/>
+            <a:r>
+              <a:rPr lang="en-US" dirty="0"/>
+              <a:t>Machine CPU/RAM capabilities</a:t>
+            </a:r>
+          </a:p>
+          <a:p>
+            <a:pPr lvl="1"/>
+            <a:r>
+              <a:rPr lang="en-US" dirty="0"/>
+              <a:t>Libraries</a:t>
+            </a:r>
+          </a:p>
+          <a:p>
+            <a:pPr lvl="1"/>
+            <a:r>
+              <a:rPr lang="en-US" dirty="0" err="1"/>
+              <a:t>Commandline</a:t>
+            </a:r>
+            <a:endParaRPr lang="en-US" dirty="0"/>
+          </a:p>
+          <a:p>
+            <a:pPr lvl="1"/>
+            <a:r>
+              <a:rPr lang="en-US" dirty="0"/>
+              <a:t>Git</a:t>
+            </a:r>
+          </a:p>
+          <a:p>
+            <a:pPr lvl="1"/>
+            <a:r>
+              <a:rPr lang="en-US" dirty="0" err="1"/>
+              <a:t>Github</a:t>
+            </a:r>
+            <a:endParaRPr lang="en-US" dirty="0"/>
+          </a:p>
+          <a:p>
+            <a:pPr lvl="1"/>
+            <a:r>
+              <a:rPr lang="en-US" dirty="0"/>
+              <a:t>Notebooks, script files</a:t>
+            </a:r>
+          </a:p>
+          <a:p>
+            <a:pPr lvl="1"/>
+            <a:r>
+              <a:rPr lang="en-US" dirty="0"/>
+              <a:t>Cloud computing / distributed computing</a:t>
             </a:r>
           </a:p>
         </p:txBody>
@@ -6019,7 +5749,7 @@
     </p:spTree>
     <p:extLst>
       <p:ext uri="{BB962C8B-B14F-4D97-AF65-F5344CB8AC3E}">
-        <p14:creationId xmlns:p14="http://schemas.microsoft.com/office/powerpoint/2010/main" val="3002228280"/>
+        <p14:creationId xmlns:p14="http://schemas.microsoft.com/office/powerpoint/2010/main" val="3846622109"/>
       </p:ext>
     </p:extLst>
   </p:cSld>
@@ -6051,7 +5781,7 @@
           <p:cNvPr id="2" name="Title 1">
             <a:extLst>
               <a:ext uri="{FF2B5EF4-FFF2-40B4-BE49-F238E27FC236}">
-                <a16:creationId xmlns:a16="http://schemas.microsoft.com/office/drawing/2014/main" id="{FAA0BDF3-3E03-814B-BC8D-805FC7CBDA96}"/>
+                <a16:creationId xmlns:a16="http://schemas.microsoft.com/office/drawing/2014/main" id="{CB2B48B8-FB04-6C48-9A71-3553EAB5DA8F}"/>
               </a:ext>
             </a:extLst>
           </p:cNvPr>
@@ -6069,7 +5799,7 @@
           <a:p>
             <a:r>
               <a:rPr lang="en-US" dirty="0"/>
-              <a:t>What is programming / coding?</a:t>
+              <a:t>Executing programs</a:t>
             </a:r>
           </a:p>
         </p:txBody>
@@ -6079,7 +5809,7 @@
           <p:cNvPr id="3" name="Content Placeholder 2">
             <a:extLst>
               <a:ext uri="{FF2B5EF4-FFF2-40B4-BE49-F238E27FC236}">
-                <a16:creationId xmlns:a16="http://schemas.microsoft.com/office/drawing/2014/main" id="{DD49725C-B39B-D941-B689-6145A268E251}"/>
+                <a16:creationId xmlns:a16="http://schemas.microsoft.com/office/drawing/2014/main" id="{325383BF-5AA6-C34C-9B1A-6F6E9CC5CE8E}"/>
               </a:ext>
             </a:extLst>
           </p:cNvPr>
@@ -6099,147 +5829,13 @@
           <a:p>
             <a:r>
               <a:rPr lang="en-US" dirty="0"/>
-              <a:t>Literally: Creating a set of instructions for a computer to execute</a:t>
-            </a:r>
-          </a:p>
-          <a:p>
-            <a:r>
-              <a:rPr lang="en-US" dirty="0"/>
-              <a:t>First construct a sequence of abstract operations, sometimes called an </a:t>
-            </a:r>
-            <a:r>
-              <a:rPr lang="en-US" i="1" dirty="0"/>
-              <a:t>algorithm</a:t>
-            </a:r>
-            <a:r>
-              <a:rPr lang="en-US" dirty="0"/>
-              <a:t> or </a:t>
-            </a:r>
-            <a:r>
-              <a:rPr lang="en-US" i="1" dirty="0"/>
-              <a:t>workplan</a:t>
-            </a:r>
-            <a:r>
-              <a:rPr lang="en-US" dirty="0"/>
-              <a:t>, that performs a desired task</a:t>
-            </a:r>
-          </a:p>
-          <a:p>
-            <a:r>
-              <a:rPr lang="en-US" dirty="0"/>
-              <a:t>Then translate these abstract operations to concrete and precise instructions</a:t>
-            </a:r>
-          </a:p>
-          <a:p>
-            <a:r>
-              <a:rPr lang="en-US" dirty="0"/>
-              <a:t>These instructions must follow the grammatical structure of a programming language, such as Python</a:t>
-            </a:r>
-          </a:p>
-          <a:p>
-            <a:r>
-              <a:rPr lang="en-US" dirty="0"/>
-              <a:t>Each instruction typically solves a tiny piece of the problem</a:t>
-            </a:r>
-          </a:p>
-          <a:p>
-            <a:r>
-              <a:rPr lang="en-US" dirty="0"/>
-              <a:t>The emergent behavior of the program solves our task</a:t>
-            </a:r>
-          </a:p>
-        </p:txBody>
-      </p:sp>
-    </p:spTree>
-    <p:extLst>
-      <p:ext uri="{BB962C8B-B14F-4D97-AF65-F5344CB8AC3E}">
-        <p14:creationId xmlns:p14="http://schemas.microsoft.com/office/powerpoint/2010/main" val="1706022066"/>
-      </p:ext>
-    </p:extLst>
-  </p:cSld>
-  <p:clrMapOvr>
-    <a:masterClrMapping/>
-  </p:clrMapOvr>
-</p:sld>
-</file>
-
-<file path=ppt/slides/slide3.xml><?xml version="1.0" encoding="utf-8"?>
-<p:sld xmlns:a="http://schemas.openxmlformats.org/drawingml/2006/main" xmlns:r="http://schemas.openxmlformats.org/officeDocument/2006/relationships" xmlns:p="http://schemas.openxmlformats.org/presentationml/2006/main">
-  <p:cSld>
-    <p:spTree>
-      <p:nvGrpSpPr>
-        <p:cNvPr id="1" name=""/>
-        <p:cNvGrpSpPr/>
-        <p:nvPr/>
-      </p:nvGrpSpPr>
-      <p:grpSpPr>
-        <a:xfrm>
-          <a:off x="0" y="0"/>
-          <a:ext cx="0" cy="0"/>
-          <a:chOff x="0" y="0"/>
-          <a:chExt cx="0" cy="0"/>
-        </a:xfrm>
-      </p:grpSpPr>
-      <p:sp>
-        <p:nvSpPr>
-          <p:cNvPr id="2" name="Title 1">
-            <a:extLst>
-              <a:ext uri="{FF2B5EF4-FFF2-40B4-BE49-F238E27FC236}">
-                <a16:creationId xmlns:a16="http://schemas.microsoft.com/office/drawing/2014/main" id="{CB2B48B8-FB04-6C48-9A71-3553EAB5DA8F}"/>
-              </a:ext>
-            </a:extLst>
-          </p:cNvPr>
-          <p:cNvSpPr>
-            <a:spLocks noGrp="1"/>
-          </p:cNvSpPr>
-          <p:nvPr>
-            <p:ph type="title"/>
-          </p:nvPr>
-        </p:nvSpPr>
-        <p:spPr/>
-        <p:txBody>
-          <a:bodyPr/>
-          <a:lstStyle/>
-          <a:p>
-            <a:r>
-              <a:rPr lang="en-US" dirty="0"/>
-              <a:t>Executing programs</a:t>
-            </a:r>
-          </a:p>
-        </p:txBody>
-      </p:sp>
-      <p:sp>
-        <p:nvSpPr>
-          <p:cNvPr id="3" name="Content Placeholder 2">
-            <a:extLst>
-              <a:ext uri="{FF2B5EF4-FFF2-40B4-BE49-F238E27FC236}">
-                <a16:creationId xmlns:a16="http://schemas.microsoft.com/office/drawing/2014/main" id="{325383BF-5AA6-C34C-9B1A-6F6E9CC5CE8E}"/>
-              </a:ext>
-            </a:extLst>
-          </p:cNvPr>
-          <p:cNvSpPr>
-            <a:spLocks noGrp="1"/>
-          </p:cNvSpPr>
-          <p:nvPr>
-            <p:ph idx="1"/>
-          </p:nvPr>
-        </p:nvSpPr>
-        <p:spPr/>
-        <p:txBody>
-          <a:bodyPr>
-            <a:normAutofit/>
-          </a:bodyPr>
-          <a:lstStyle/>
-          <a:p>
-            <a:r>
-              <a:rPr lang="en-US" dirty="0"/>
               <a:t>Computers don't inherently understand Python or any other programming language</a:t>
             </a:r>
           </a:p>
           <a:p>
             <a:r>
               <a:rPr lang="en-US" dirty="0"/>
-              <a:t>A programmer has to create a program, called an interpreter, in some language X that understands statements in language Y (Python's interpreter is written in the C language)</a:t>
+              <a:t>A programmer has to create a program in some language X, called an interpreter, that understands statements in language Y (Python's interpreter is written in the C language)</a:t>
             </a:r>
           </a:p>
           <a:p>
@@ -6316,7 +5912,7 @@
 </p:sld>
 </file>
 
-<file path=ppt/slides/slide4.xml><?xml version="1.0" encoding="utf-8"?>
+<file path=ppt/slides/slide3.xml><?xml version="1.0" encoding="utf-8"?>
 <p:sld xmlns:a="http://schemas.openxmlformats.org/drawingml/2006/main" xmlns:r="http://schemas.openxmlformats.org/officeDocument/2006/relationships" xmlns:p="http://schemas.openxmlformats.org/presentationml/2006/main">
   <p:cSld>
     <p:spTree>
@@ -6468,7 +6064,7 @@
 </p:sld>
 </file>
 
-<file path=ppt/slides/slide5.xml><?xml version="1.0" encoding="utf-8"?>
+<file path=ppt/slides/slide4.xml><?xml version="1.0" encoding="utf-8"?>
 <p:sld xmlns:a="http://schemas.openxmlformats.org/drawingml/2006/main" xmlns:r="http://schemas.openxmlformats.org/officeDocument/2006/relationships" xmlns:p="http://schemas.openxmlformats.org/presentationml/2006/main">
   <p:cSld>
     <p:spTree>
@@ -6730,7 +6326,7 @@
 </p:sld>
 </file>
 
-<file path=ppt/slides/slide6.xml><?xml version="1.0" encoding="utf-8"?>
+<file path=ppt/slides/slide5.xml><?xml version="1.0" encoding="utf-8"?>
 <p:sld xmlns:a="http://schemas.openxmlformats.org/drawingml/2006/main" xmlns:r="http://schemas.openxmlformats.org/officeDocument/2006/relationships" xmlns:p="http://schemas.openxmlformats.org/presentationml/2006/main">
   <p:cSld>
     <p:spTree>
@@ -6931,7 +6527,7 @@
 </p:sld>
 </file>
 
-<file path=ppt/slides/slide7.xml><?xml version="1.0" encoding="utf-8"?>
+<file path=ppt/slides/slide6.xml><?xml version="1.0" encoding="utf-8"?>
 <p:sld xmlns:a="http://schemas.openxmlformats.org/drawingml/2006/main" xmlns:r="http://schemas.openxmlformats.org/officeDocument/2006/relationships" xmlns:p="http://schemas.openxmlformats.org/presentationml/2006/main">
   <p:cSld>
     <p:spTree>
@@ -7083,7 +6679,7 @@
 </p:sld>
 </file>
 
-<file path=ppt/slides/slide8.xml><?xml version="1.0" encoding="utf-8"?>
+<file path=ppt/slides/slide7.xml><?xml version="1.0" encoding="utf-8"?>
 <p:sld xmlns:a="http://schemas.openxmlformats.org/drawingml/2006/main" xmlns:r="http://schemas.openxmlformats.org/officeDocument/2006/relationships" xmlns:p="http://schemas.openxmlformats.org/presentationml/2006/main">
   <p:cSld>
     <p:spTree>
@@ -7249,6 +6845,97 @@
 </p:sld>
 </file>
 
+<file path=ppt/slides/slide8.xml><?xml version="1.0" encoding="utf-8"?>
+<p:sld xmlns:a="http://schemas.openxmlformats.org/drawingml/2006/main" xmlns:r="http://schemas.openxmlformats.org/officeDocument/2006/relationships" xmlns:p="http://schemas.openxmlformats.org/presentationml/2006/main">
+  <p:cSld>
+    <p:spTree>
+      <p:nvGrpSpPr>
+        <p:cNvPr id="1" name=""/>
+        <p:cNvGrpSpPr/>
+        <p:nvPr/>
+      </p:nvGrpSpPr>
+      <p:grpSpPr>
+        <a:xfrm>
+          <a:off x="0" y="0"/>
+          <a:ext cx="0" cy="0"/>
+          <a:chOff x="0" y="0"/>
+          <a:chExt cx="0" cy="0"/>
+        </a:xfrm>
+      </p:grpSpPr>
+      <p:sp>
+        <p:nvSpPr>
+          <p:cNvPr id="2" name="Title 1">
+            <a:extLst>
+              <a:ext uri="{FF2B5EF4-FFF2-40B4-BE49-F238E27FC236}">
+                <a16:creationId xmlns:a16="http://schemas.microsoft.com/office/drawing/2014/main" id="{D248F7BB-57CE-244F-9410-EB2B222B60EC}"/>
+              </a:ext>
+            </a:extLst>
+          </p:cNvPr>
+          <p:cNvSpPr>
+            <a:spLocks noGrp="1"/>
+          </p:cNvSpPr>
+          <p:nvPr>
+            <p:ph type="title"/>
+          </p:nvPr>
+        </p:nvSpPr>
+        <p:spPr>
+          <a:xfrm>
+            <a:off x="831850" y="1709738"/>
+            <a:ext cx="11021896" cy="2852737"/>
+          </a:xfrm>
+        </p:spPr>
+        <p:txBody>
+          <a:bodyPr/>
+          <a:lstStyle/>
+          <a:p>
+            <a:r>
+              <a:rPr lang="en-US" dirty="0"/>
+              <a:t>Getting to know your computer</a:t>
+            </a:r>
+          </a:p>
+        </p:txBody>
+      </p:sp>
+      <p:sp>
+        <p:nvSpPr>
+          <p:cNvPr id="3" name="Text Placeholder 2">
+            <a:extLst>
+              <a:ext uri="{FF2B5EF4-FFF2-40B4-BE49-F238E27FC236}">
+                <a16:creationId xmlns:a16="http://schemas.microsoft.com/office/drawing/2014/main" id="{A4B8834E-56CF-F64B-96AE-85761EAAEB6C}"/>
+              </a:ext>
+            </a:extLst>
+          </p:cNvPr>
+          <p:cNvSpPr>
+            <a:spLocks noGrp="1"/>
+          </p:cNvSpPr>
+          <p:nvPr>
+            <p:ph type="body" idx="1"/>
+          </p:nvPr>
+        </p:nvSpPr>
+        <p:spPr/>
+        <p:txBody>
+          <a:bodyPr/>
+          <a:lstStyle/>
+          <a:p>
+            <a:r>
+              <a:rPr lang="en-US" dirty="0"/>
+              <a:t>A programmer's perspective</a:t>
+            </a:r>
+          </a:p>
+        </p:txBody>
+      </p:sp>
+    </p:spTree>
+    <p:extLst>
+      <p:ext uri="{BB962C8B-B14F-4D97-AF65-F5344CB8AC3E}">
+        <p14:creationId xmlns:p14="http://schemas.microsoft.com/office/powerpoint/2010/main" val="2782763830"/>
+      </p:ext>
+    </p:extLst>
+  </p:cSld>
+  <p:clrMapOvr>
+    <a:masterClrMapping/>
+  </p:clrMapOvr>
+</p:sld>
+</file>
+
 <file path=ppt/slides/slide9.xml><?xml version="1.0" encoding="utf-8"?>
 <p:sld xmlns:a="http://schemas.openxmlformats.org/drawingml/2006/main" xmlns:r="http://schemas.openxmlformats.org/officeDocument/2006/relationships" xmlns:p="http://schemas.openxmlformats.org/presentationml/2006/main">
   <p:cSld>
@@ -7271,7 +6958,7 @@
           <p:cNvPr id="2" name="Title 1">
             <a:extLst>
               <a:ext uri="{FF2B5EF4-FFF2-40B4-BE49-F238E27FC236}">
-                <a16:creationId xmlns:a16="http://schemas.microsoft.com/office/drawing/2014/main" id="{D248F7BB-57CE-244F-9410-EB2B222B60EC}"/>
+                <a16:creationId xmlns:a16="http://schemas.microsoft.com/office/drawing/2014/main" id="{995841A7-CA14-7B42-9272-4D5D803362E4}"/>
               </a:ext>
             </a:extLst>
           </p:cNvPr>
@@ -7280,12 +6967,40 @@
           </p:cNvSpPr>
           <p:nvPr>
             <p:ph type="title"/>
+          </p:nvPr>
+        </p:nvSpPr>
+        <p:spPr/>
+        <p:txBody>
+          <a:bodyPr/>
+          <a:lstStyle/>
+          <a:p>
+            <a:r>
+              <a:rPr lang="en-US" dirty="0"/>
+              <a:t>Computer components</a:t>
+            </a:r>
+          </a:p>
+        </p:txBody>
+      </p:sp>
+      <p:sp>
+        <p:nvSpPr>
+          <p:cNvPr id="3" name="Content Placeholder 2">
+            <a:extLst>
+              <a:ext uri="{FF2B5EF4-FFF2-40B4-BE49-F238E27FC236}">
+                <a16:creationId xmlns:a16="http://schemas.microsoft.com/office/drawing/2014/main" id="{2390DE8B-FCFB-2B4F-9B82-C35EB90C02BC}"/>
+              </a:ext>
+            </a:extLst>
+          </p:cNvPr>
+          <p:cNvSpPr>
+            <a:spLocks noGrp="1"/>
+          </p:cNvSpPr>
+          <p:nvPr>
+            <p:ph idx="1"/>
           </p:nvPr>
         </p:nvSpPr>
         <p:spPr>
           <a:xfrm>
-            <a:off x="831850" y="1709738"/>
-            <a:ext cx="11021896" cy="2852737"/>
+            <a:off x="838200" y="1825625"/>
+            <a:ext cx="5453270" cy="4351338"/>
           </a:xfrm>
         </p:spPr>
         <p:txBody>
@@ -7294,43 +7009,104 @@
           <a:p>
             <a:r>
               <a:rPr lang="en-US" dirty="0"/>
-              <a:t>Getting to know your computer</a:t>
-            </a:r>
-          </a:p>
-        </p:txBody>
-      </p:sp>
-      <p:sp>
-        <p:nvSpPr>
-          <p:cNvPr id="3" name="Text Placeholder 2">
-            <a:extLst>
-              <a:ext uri="{FF2B5EF4-FFF2-40B4-BE49-F238E27FC236}">
-                <a16:creationId xmlns:a16="http://schemas.microsoft.com/office/drawing/2014/main" id="{A4B8834E-56CF-F64B-96AE-85761EAAEB6C}"/>
-              </a:ext>
-            </a:extLst>
-          </p:cNvPr>
-          <p:cNvSpPr>
-            <a:spLocks noGrp="1"/>
-          </p:cNvSpPr>
-          <p:nvPr>
-            <p:ph type="body" idx="1"/>
-          </p:nvPr>
-        </p:nvSpPr>
-        <p:spPr/>
-        <p:txBody>
-          <a:bodyPr/>
-          <a:lstStyle/>
-          <a:p>
-            <a:r>
-              <a:rPr lang="en-US" dirty="0"/>
-              <a:t>A programmer's perspective</a:t>
-            </a:r>
-          </a:p>
-        </p:txBody>
-      </p:sp>
+              <a:t>Processor (</a:t>
+            </a:r>
+            <a:r>
+              <a:rPr lang="en-US" i="1" dirty="0"/>
+              <a:t>CPU</a:t>
+            </a:r>
+            <a:r>
+              <a:rPr lang="en-US" dirty="0"/>
+              <a:t>)</a:t>
+            </a:r>
+          </a:p>
+          <a:p>
+            <a:r>
+              <a:rPr lang="en-US" dirty="0"/>
+              <a:t>Memory (</a:t>
+            </a:r>
+            <a:r>
+              <a:rPr lang="en-US" i="1" dirty="0"/>
+              <a:t>RAM</a:t>
+            </a:r>
+            <a:r>
+              <a:rPr lang="en-US" dirty="0"/>
+              <a:t>) </a:t>
+            </a:r>
+            <a:r>
+              <a:rPr lang="en-US" dirty="0" err="1"/>
+              <a:t>code+data</a:t>
+            </a:r>
+            <a:endParaRPr lang="en-US" dirty="0"/>
+          </a:p>
+          <a:p>
+            <a:r>
+              <a:rPr lang="en-US" dirty="0"/>
+              <a:t>Nonvolatile Storage (</a:t>
+            </a:r>
+            <a:r>
+              <a:rPr lang="en-US" i="1" dirty="0"/>
+              <a:t>disk</a:t>
+            </a:r>
+            <a:r>
+              <a:rPr lang="en-US" dirty="0"/>
+              <a:t>)</a:t>
+            </a:r>
+          </a:p>
+          <a:p>
+            <a:r>
+              <a:rPr lang="en-US" i="1" dirty="0"/>
+              <a:t>Network</a:t>
+            </a:r>
+          </a:p>
+          <a:p>
+            <a:r>
+              <a:rPr lang="en-US" dirty="0"/>
+              <a:t>CPU executes code and operates on data in RAM, saving results on disk</a:t>
+            </a:r>
+          </a:p>
+          <a:p>
+            <a:r>
+              <a:rPr lang="en-US" dirty="0"/>
+              <a:t>Can send and receive data across the network</a:t>
+            </a:r>
+          </a:p>
+        </p:txBody>
+      </p:sp>
+      <p:pic>
+        <p:nvPicPr>
+          <p:cNvPr id="6" name="Picture 5">
+            <a:extLst>
+              <a:ext uri="{FF2B5EF4-FFF2-40B4-BE49-F238E27FC236}">
+                <a16:creationId xmlns:a16="http://schemas.microsoft.com/office/drawing/2014/main" id="{95C7A921-818C-4F4F-A23E-0AF761DE459A}"/>
+              </a:ext>
+            </a:extLst>
+          </p:cNvPr>
+          <p:cNvPicPr>
+            <a:picLocks noChangeAspect="1"/>
+          </p:cNvPicPr>
+          <p:nvPr/>
+        </p:nvPicPr>
+        <p:blipFill>
+          <a:blip r:embed="rId2"/>
+          <a:stretch>
+            <a:fillRect/>
+          </a:stretch>
+        </p:blipFill>
+        <p:spPr>
+          <a:xfrm>
+            <a:off x="6490252" y="2069822"/>
+            <a:ext cx="4863547" cy="3830043"/>
+          </a:xfrm>
+          <a:prstGeom prst="rect">
+            <a:avLst/>
+          </a:prstGeom>
+        </p:spPr>
+      </p:pic>
     </p:spTree>
     <p:extLst>
       <p:ext uri="{BB962C8B-B14F-4D97-AF65-F5344CB8AC3E}">
-        <p14:creationId xmlns:p14="http://schemas.microsoft.com/office/powerpoint/2010/main" val="2782763830"/>
+        <p14:creationId xmlns:p14="http://schemas.microsoft.com/office/powerpoint/2010/main" val="4167972698"/>
       </p:ext>
     </p:extLst>
   </p:cSld>

--- a/slides/overview.pptx
+++ b/slides/overview.pptx
@@ -222,7 +222,7 @@
           <a:p>
             <a:fld id="{8A1B613A-EFF1-404F-BEE8-EFAE84A4E5E2}" type="datetimeFigureOut">
               <a:rPr lang="en-US" smtClean="0"/>
-              <a:t>5/31/21</a:t>
+              <a:t>6/19/21</a:t>
             </a:fld>
             <a:endParaRPr lang="en-US"/>
           </a:p>
@@ -387,7 +387,7 @@
           <a:p>
             <a:fld id="{690847EA-AC25-3D4E-89E1-FD3F6A9702B6}" type="datetimeFigureOut">
               <a:rPr lang="en-US" smtClean="0"/>
-              <a:t>5/31/21</a:t>
+              <a:t>6/19/21</a:t>
             </a:fld>
             <a:endParaRPr lang="en-US"/>
           </a:p>
@@ -801,7 +801,7 @@
           <a:p>
             <a:fld id="{BE5295ED-3BAF-1140-8495-3D368771D6B1}" type="datetimeFigureOut">
               <a:rPr lang="en-US" smtClean="0"/>
-              <a:t>5/31/21</a:t>
+              <a:t>6/19/21</a:t>
             </a:fld>
             <a:endParaRPr lang="en-US"/>
           </a:p>
@@ -999,7 +999,7 @@
           <a:p>
             <a:fld id="{BE5295ED-3BAF-1140-8495-3D368771D6B1}" type="datetimeFigureOut">
               <a:rPr lang="en-US" smtClean="0"/>
-              <a:t>5/31/21</a:t>
+              <a:t>6/19/21</a:t>
             </a:fld>
             <a:endParaRPr lang="en-US"/>
           </a:p>
@@ -1207,7 +1207,7 @@
           <a:p>
             <a:fld id="{BE5295ED-3BAF-1140-8495-3D368771D6B1}" type="datetimeFigureOut">
               <a:rPr lang="en-US" smtClean="0"/>
-              <a:t>5/31/21</a:t>
+              <a:t>6/19/21</a:t>
             </a:fld>
             <a:endParaRPr lang="en-US"/>
           </a:p>
@@ -1405,7 +1405,7 @@
           <a:p>
             <a:fld id="{BE5295ED-3BAF-1140-8495-3D368771D6B1}" type="datetimeFigureOut">
               <a:rPr lang="en-US" smtClean="0"/>
-              <a:t>5/31/21</a:t>
+              <a:t>6/19/21</a:t>
             </a:fld>
             <a:endParaRPr lang="en-US"/>
           </a:p>
@@ -1680,7 +1680,7 @@
           <a:p>
             <a:fld id="{BE5295ED-3BAF-1140-8495-3D368771D6B1}" type="datetimeFigureOut">
               <a:rPr lang="en-US" smtClean="0"/>
-              <a:t>5/31/21</a:t>
+              <a:t>6/19/21</a:t>
             </a:fld>
             <a:endParaRPr lang="en-US"/>
           </a:p>
@@ -1945,7 +1945,7 @@
           <a:p>
             <a:fld id="{BE5295ED-3BAF-1140-8495-3D368771D6B1}" type="datetimeFigureOut">
               <a:rPr lang="en-US" smtClean="0"/>
-              <a:t>5/31/21</a:t>
+              <a:t>6/19/21</a:t>
             </a:fld>
             <a:endParaRPr lang="en-US"/>
           </a:p>
@@ -2357,7 +2357,7 @@
           <a:p>
             <a:fld id="{BE5295ED-3BAF-1140-8495-3D368771D6B1}" type="datetimeFigureOut">
               <a:rPr lang="en-US" smtClean="0"/>
-              <a:t>5/31/21</a:t>
+              <a:t>6/19/21</a:t>
             </a:fld>
             <a:endParaRPr lang="en-US"/>
           </a:p>
@@ -2498,7 +2498,7 @@
           <a:p>
             <a:fld id="{BE5295ED-3BAF-1140-8495-3D368771D6B1}" type="datetimeFigureOut">
               <a:rPr lang="en-US" smtClean="0"/>
-              <a:t>5/31/21</a:t>
+              <a:t>6/19/21</a:t>
             </a:fld>
             <a:endParaRPr lang="en-US"/>
           </a:p>
@@ -2611,7 +2611,7 @@
           <a:p>
             <a:fld id="{BE5295ED-3BAF-1140-8495-3D368771D6B1}" type="datetimeFigureOut">
               <a:rPr lang="en-US" smtClean="0"/>
-              <a:t>5/31/21</a:t>
+              <a:t>6/19/21</a:t>
             </a:fld>
             <a:endParaRPr lang="en-US"/>
           </a:p>
@@ -2922,7 +2922,7 @@
           <a:p>
             <a:fld id="{BE5295ED-3BAF-1140-8495-3D368771D6B1}" type="datetimeFigureOut">
               <a:rPr lang="en-US" smtClean="0"/>
-              <a:t>5/31/21</a:t>
+              <a:t>6/19/21</a:t>
             </a:fld>
             <a:endParaRPr lang="en-US"/>
           </a:p>
@@ -3213,7 +3213,7 @@
           <a:p>
             <a:fld id="{BE5295ED-3BAF-1140-8495-3D368771D6B1}" type="datetimeFigureOut">
               <a:rPr lang="en-US" smtClean="0"/>
-              <a:t>5/31/21</a:t>
+              <a:t>6/19/21</a:t>
             </a:fld>
             <a:endParaRPr lang="en-US"/>
           </a:p>
@@ -3454,7 +3454,7 @@
           <a:p>
             <a:fld id="{BE5295ED-3BAF-1140-8495-3D368771D6B1}" type="datetimeFigureOut">
               <a:rPr lang="en-US" smtClean="0"/>
-              <a:t>5/31/21</a:t>
+              <a:t>6/19/21</a:t>
             </a:fld>
             <a:endParaRPr lang="en-US"/>
           </a:p>
@@ -4239,6 +4239,36 @@
           </a:fontRef>
         </p:style>
       </p:cxnSp>
+      <p:pic>
+        <p:nvPicPr>
+          <p:cNvPr id="5" name="Picture 4">
+            <a:extLst>
+              <a:ext uri="{FF2B5EF4-FFF2-40B4-BE49-F238E27FC236}">
+                <a16:creationId xmlns:a16="http://schemas.microsoft.com/office/drawing/2014/main" id="{3BF2796C-5390-F848-87A1-653E4015F4E1}"/>
+              </a:ext>
+            </a:extLst>
+          </p:cNvPr>
+          <p:cNvPicPr>
+            <a:picLocks noChangeAspect="1"/>
+          </p:cNvPicPr>
+          <p:nvPr/>
+        </p:nvPicPr>
+        <p:blipFill>
+          <a:blip r:embed="rId3"/>
+          <a:stretch>
+            <a:fillRect/>
+          </a:stretch>
+        </p:blipFill>
+        <p:spPr>
+          <a:xfrm>
+            <a:off x="10189525" y="1048292"/>
+            <a:ext cx="2002475" cy="922880"/>
+          </a:xfrm>
+          <a:prstGeom prst="rect">
+            <a:avLst/>
+          </a:prstGeom>
+        </p:spPr>
+      </p:pic>
     </p:spTree>
     <p:extLst>
       <p:ext uri="{BB962C8B-B14F-4D97-AF65-F5344CB8AC3E}">
@@ -4596,7 +4626,7 @@
           <a:p>
             <a:r>
               <a:rPr lang="en-US" dirty="0"/>
-              <a:t>Disk (nonvolatile) storage</a:t>
+              <a:t>Disk/SSD (nonvolatile) storage</a:t>
             </a:r>
           </a:p>
         </p:txBody>
@@ -5051,6 +5081,10 @@
           <a:lstStyle/>
           <a:p>
             <a:r>
+              <a:rPr lang="en-US" dirty="0"/>
+              <a:t>The </a:t>
+            </a:r>
+            <a:r>
               <a:rPr lang="en-US" b="1" dirty="0" err="1"/>
               <a:t>parrt</a:t>
             </a:r>
@@ -5064,7 +5098,7 @@
             </a:r>
             <a:r>
               <a:rPr lang="en-US" dirty="0"/>
-              <a:t> is </a:t>
+              <a:t> you see is </a:t>
             </a:r>
             <a:r>
               <a:rPr lang="en-US" b="1" dirty="0"/>

--- a/slides/overview.pptx
+++ b/slides/overview.pptx
@@ -222,7 +222,7 @@
           <a:p>
             <a:fld id="{8A1B613A-EFF1-404F-BEE8-EFAE84A4E5E2}" type="datetimeFigureOut">
               <a:rPr lang="en-US" smtClean="0"/>
-              <a:t>6/19/21</a:t>
+              <a:t>7/3/21</a:t>
             </a:fld>
             <a:endParaRPr lang="en-US"/>
           </a:p>
@@ -387,7 +387,7 @@
           <a:p>
             <a:fld id="{690847EA-AC25-3D4E-89E1-FD3F6A9702B6}" type="datetimeFigureOut">
               <a:rPr lang="en-US" smtClean="0"/>
-              <a:t>6/19/21</a:t>
+              <a:t>7/3/21</a:t>
             </a:fld>
             <a:endParaRPr lang="en-US"/>
           </a:p>
@@ -801,7 +801,7 @@
           <a:p>
             <a:fld id="{BE5295ED-3BAF-1140-8495-3D368771D6B1}" type="datetimeFigureOut">
               <a:rPr lang="en-US" smtClean="0"/>
-              <a:t>6/19/21</a:t>
+              <a:t>7/3/21</a:t>
             </a:fld>
             <a:endParaRPr lang="en-US"/>
           </a:p>
@@ -999,7 +999,7 @@
           <a:p>
             <a:fld id="{BE5295ED-3BAF-1140-8495-3D368771D6B1}" type="datetimeFigureOut">
               <a:rPr lang="en-US" smtClean="0"/>
-              <a:t>6/19/21</a:t>
+              <a:t>7/3/21</a:t>
             </a:fld>
             <a:endParaRPr lang="en-US"/>
           </a:p>
@@ -1207,7 +1207,7 @@
           <a:p>
             <a:fld id="{BE5295ED-3BAF-1140-8495-3D368771D6B1}" type="datetimeFigureOut">
               <a:rPr lang="en-US" smtClean="0"/>
-              <a:t>6/19/21</a:t>
+              <a:t>7/3/21</a:t>
             </a:fld>
             <a:endParaRPr lang="en-US"/>
           </a:p>
@@ -1405,7 +1405,7 @@
           <a:p>
             <a:fld id="{BE5295ED-3BAF-1140-8495-3D368771D6B1}" type="datetimeFigureOut">
               <a:rPr lang="en-US" smtClean="0"/>
-              <a:t>6/19/21</a:t>
+              <a:t>7/3/21</a:t>
             </a:fld>
             <a:endParaRPr lang="en-US"/>
           </a:p>
@@ -1680,7 +1680,7 @@
           <a:p>
             <a:fld id="{BE5295ED-3BAF-1140-8495-3D368771D6B1}" type="datetimeFigureOut">
               <a:rPr lang="en-US" smtClean="0"/>
-              <a:t>6/19/21</a:t>
+              <a:t>7/3/21</a:t>
             </a:fld>
             <a:endParaRPr lang="en-US"/>
           </a:p>
@@ -1945,7 +1945,7 @@
           <a:p>
             <a:fld id="{BE5295ED-3BAF-1140-8495-3D368771D6B1}" type="datetimeFigureOut">
               <a:rPr lang="en-US" smtClean="0"/>
-              <a:t>6/19/21</a:t>
+              <a:t>7/3/21</a:t>
             </a:fld>
             <a:endParaRPr lang="en-US"/>
           </a:p>
@@ -2357,7 +2357,7 @@
           <a:p>
             <a:fld id="{BE5295ED-3BAF-1140-8495-3D368771D6B1}" type="datetimeFigureOut">
               <a:rPr lang="en-US" smtClean="0"/>
-              <a:t>6/19/21</a:t>
+              <a:t>7/3/21</a:t>
             </a:fld>
             <a:endParaRPr lang="en-US"/>
           </a:p>
@@ -2498,7 +2498,7 @@
           <a:p>
             <a:fld id="{BE5295ED-3BAF-1140-8495-3D368771D6B1}" type="datetimeFigureOut">
               <a:rPr lang="en-US" smtClean="0"/>
-              <a:t>6/19/21</a:t>
+              <a:t>7/3/21</a:t>
             </a:fld>
             <a:endParaRPr lang="en-US"/>
           </a:p>
@@ -2611,7 +2611,7 @@
           <a:p>
             <a:fld id="{BE5295ED-3BAF-1140-8495-3D368771D6B1}" type="datetimeFigureOut">
               <a:rPr lang="en-US" smtClean="0"/>
-              <a:t>6/19/21</a:t>
+              <a:t>7/3/21</a:t>
             </a:fld>
             <a:endParaRPr lang="en-US"/>
           </a:p>
@@ -2922,7 +2922,7 @@
           <a:p>
             <a:fld id="{BE5295ED-3BAF-1140-8495-3D368771D6B1}" type="datetimeFigureOut">
               <a:rPr lang="en-US" smtClean="0"/>
-              <a:t>6/19/21</a:t>
+              <a:t>7/3/21</a:t>
             </a:fld>
             <a:endParaRPr lang="en-US"/>
           </a:p>
@@ -3213,7 +3213,7 @@
           <a:p>
             <a:fld id="{BE5295ED-3BAF-1140-8495-3D368771D6B1}" type="datetimeFigureOut">
               <a:rPr lang="en-US" smtClean="0"/>
-              <a:t>6/19/21</a:t>
+              <a:t>7/3/21</a:t>
             </a:fld>
             <a:endParaRPr lang="en-US"/>
           </a:p>
@@ -3454,7 +3454,7 @@
           <a:p>
             <a:fld id="{BE5295ED-3BAF-1140-8495-3D368771D6B1}" type="datetimeFigureOut">
               <a:rPr lang="en-US" smtClean="0"/>
-              <a:t>6/19/21</a:t>
+              <a:t>7/3/21</a:t>
             </a:fld>
             <a:endParaRPr lang="en-US"/>
           </a:p>
@@ -4884,6 +4884,10 @@
           <a:lstStyle/>
           <a:p>
             <a:r>
+              <a:rPr lang="en-US" dirty="0"/>
+              <a:t>A </a:t>
+            </a:r>
+            <a:r>
               <a:rPr lang="en-US" i="1" dirty="0"/>
               <a:t>Path</a:t>
             </a:r>
@@ -5911,7 +5915,7 @@
             </a:r>
             <a:r>
               <a:rPr lang="en-US" dirty="0"/>
-              <a:t> files and to interact</a:t>
+              <a:t> files and to interact with OS</a:t>
             </a:r>
           </a:p>
           <a:p>
@@ -6291,7 +6295,7 @@
         </p:nvSpPr>
         <p:spPr>
           <a:xfrm>
-            <a:off x="3598065" y="6308209"/>
+            <a:off x="3048806" y="2872860"/>
             <a:ext cx="1249060" cy="369332"/>
           </a:xfrm>
           <a:prstGeom prst="rect">
@@ -6326,7 +6330,7 @@
         </p:nvSpPr>
         <p:spPr>
           <a:xfrm>
-            <a:off x="5944562" y="6308209"/>
+            <a:off x="9641919" y="2872860"/>
             <a:ext cx="748923" cy="369332"/>
           </a:xfrm>
           <a:prstGeom prst="rect">
